--- a/Udemy/Lecture 1 - Application Design/_04_ApplicationDesign-Step2_Screen.pptx
+++ b/Udemy/Lecture 1 - Application Design/_04_ApplicationDesign-Step2_Screen.pptx
@@ -309,7 +309,7 @@
           <a:p>
             <a:fld id="{D2BDCC73-4DDF-49AB-AEE1-BCC66D6EB140}" type="datetimeFigureOut">
               <a:rPr lang="en-GB" smtClean="0"/>
-              <a:t>08/12/2018</a:t>
+              <a:t>28/07/2019</a:t>
             </a:fld>
             <a:endParaRPr lang="en-GB" dirty="0"/>
           </a:p>
@@ -519,7 +519,7 @@
           <a:p>
             <a:fld id="{D2BDCC73-4DDF-49AB-AEE1-BCC66D6EB140}" type="datetimeFigureOut">
               <a:rPr lang="en-GB" smtClean="0"/>
-              <a:t>08/12/2018</a:t>
+              <a:t>28/07/2019</a:t>
             </a:fld>
             <a:endParaRPr lang="en-GB" dirty="0"/>
           </a:p>
@@ -723,7 +723,7 @@
           <a:p>
             <a:fld id="{D2BDCC73-4DDF-49AB-AEE1-BCC66D6EB140}" type="datetimeFigureOut">
               <a:rPr lang="en-GB" smtClean="0"/>
-              <a:t>08/12/2018</a:t>
+              <a:t>28/07/2019</a:t>
             </a:fld>
             <a:endParaRPr lang="en-GB" dirty="0"/>
           </a:p>
@@ -814,7 +814,15 @@
         <p:spPr/>
         <p:txBody>
           <a:bodyPr/>
-          <a:lstStyle/>
+          <a:lstStyle>
+            <a:lvl1pPr>
+              <a:defRPr>
+                <a:solidFill>
+                  <a:schemeClr val="accent2"/>
+                </a:solidFill>
+              </a:defRPr>
+            </a:lvl1pPr>
+          </a:lstStyle>
           <a:p>
             <a:r>
               <a:rPr lang="en-US" dirty="0"/>
@@ -832,6 +840,94 @@
           </p:cNvSpPr>
           <p:nvPr>
             <p:ph idx="1"/>
+          </p:nvPr>
+        </p:nvSpPr>
+        <p:spPr/>
+        <p:txBody>
+          <a:bodyPr/>
+          <a:lstStyle>
+            <a:lvl1pPr marL="228600" indent="-228600">
+              <a:buFontTx/>
+              <a:buBlip>
+                <a:blip r:embed="rId2"/>
+              </a:buBlip>
+              <a:defRPr/>
+            </a:lvl1pPr>
+            <a:lvl2pPr marL="685800" indent="-228600">
+              <a:buFontTx/>
+              <a:buBlip>
+                <a:blip r:embed="rId2"/>
+              </a:buBlip>
+              <a:defRPr/>
+            </a:lvl2pPr>
+            <a:lvl3pPr marL="1143000" indent="-228600">
+              <a:buFontTx/>
+              <a:buBlip>
+                <a:blip r:embed="rId2"/>
+              </a:buBlip>
+              <a:defRPr/>
+            </a:lvl3pPr>
+            <a:lvl4pPr marL="1714500" indent="-342900">
+              <a:buFontTx/>
+              <a:buBlip>
+                <a:blip r:embed="rId2"/>
+              </a:buBlip>
+              <a:defRPr/>
+            </a:lvl4pPr>
+            <a:lvl5pPr marL="2057400" indent="-228600">
+              <a:buFontTx/>
+              <a:buBlip>
+                <a:blip r:embed="rId2"/>
+              </a:buBlip>
+              <a:defRPr/>
+            </a:lvl5pPr>
+          </a:lstStyle>
+          <a:p>
+            <a:pPr lvl="0"/>
+            <a:r>
+              <a:rPr lang="en-US" dirty="0"/>
+              <a:t>Click to edit Master text styles</a:t>
+            </a:r>
+          </a:p>
+          <a:p>
+            <a:pPr lvl="1"/>
+            <a:r>
+              <a:rPr lang="en-US" dirty="0"/>
+              <a:t>Second level</a:t>
+            </a:r>
+          </a:p>
+          <a:p>
+            <a:pPr lvl="2"/>
+            <a:r>
+              <a:rPr lang="en-US" dirty="0"/>
+              <a:t>Third level</a:t>
+            </a:r>
+          </a:p>
+          <a:p>
+            <a:pPr lvl="3"/>
+            <a:r>
+              <a:rPr lang="en-US" dirty="0"/>
+              <a:t>Fourth level</a:t>
+            </a:r>
+          </a:p>
+          <a:p>
+            <a:pPr lvl="4"/>
+            <a:r>
+              <a:rPr lang="en-US" dirty="0"/>
+              <a:t>Fifth level</a:t>
+            </a:r>
+            <a:endParaRPr lang="en-GB" dirty="0"/>
+          </a:p>
+        </p:txBody>
+      </p:sp>
+      <p:sp>
+        <p:nvSpPr>
+          <p:cNvPr id="4" name="Date Placeholder 3"/>
+          <p:cNvSpPr>
+            <a:spLocks noGrp="1"/>
+          </p:cNvSpPr>
+          <p:nvPr>
+            <p:ph type="dt" sz="half" idx="10"/>
           </p:nvPr>
         </p:nvSpPr>
         <p:spPr/>
@@ -839,61 +935,9 @@
           <a:bodyPr/>
           <a:lstStyle/>
           <a:p>
-            <a:pPr lvl="0"/>
-            <a:r>
-              <a:rPr lang="en-US"/>
-              <a:t>Click to edit Master text styles</a:t>
-            </a:r>
-          </a:p>
-          <a:p>
-            <a:pPr lvl="1"/>
-            <a:r>
-              <a:rPr lang="en-US"/>
-              <a:t>Second level</a:t>
-            </a:r>
-          </a:p>
-          <a:p>
-            <a:pPr lvl="2"/>
-            <a:r>
-              <a:rPr lang="en-US"/>
-              <a:t>Third level</a:t>
-            </a:r>
-          </a:p>
-          <a:p>
-            <a:pPr lvl="3"/>
-            <a:r>
-              <a:rPr lang="en-US"/>
-              <a:t>Fourth level</a:t>
-            </a:r>
-          </a:p>
-          <a:p>
-            <a:pPr lvl="4"/>
-            <a:r>
-              <a:rPr lang="en-US"/>
-              <a:t>Fifth level</a:t>
-            </a:r>
-            <a:endParaRPr lang="en-GB"/>
-          </a:p>
-        </p:txBody>
-      </p:sp>
-      <p:sp>
-        <p:nvSpPr>
-          <p:cNvPr id="4" name="Date Placeholder 3"/>
-          <p:cNvSpPr>
-            <a:spLocks noGrp="1"/>
-          </p:cNvSpPr>
-          <p:nvPr>
-            <p:ph type="dt" sz="half" idx="10"/>
-          </p:nvPr>
-        </p:nvSpPr>
-        <p:spPr/>
-        <p:txBody>
-          <a:bodyPr/>
-          <a:lstStyle/>
-          <a:p>
             <a:fld id="{D2BDCC73-4DDF-49AB-AEE1-BCC66D6EB140}" type="datetimeFigureOut">
               <a:rPr lang="en-GB" smtClean="0"/>
-              <a:t>08/12/2018</a:t>
+              <a:t>28/07/2019</a:t>
             </a:fld>
             <a:endParaRPr lang="en-GB" dirty="0"/>
           </a:p>
@@ -993,7 +1037,11 @@
           </a:bodyPr>
           <a:lstStyle>
             <a:lvl1pPr>
-              <a:defRPr sz="3600"/>
+              <a:defRPr sz="3600">
+                <a:solidFill>
+                  <a:schemeClr val="accent2"/>
+                </a:solidFill>
+              </a:defRPr>
             </a:lvl1pPr>
           </a:lstStyle>
           <a:p>
@@ -1143,7 +1191,7 @@
           <a:p>
             <a:fld id="{D2BDCC73-4DDF-49AB-AEE1-BCC66D6EB140}" type="datetimeFigureOut">
               <a:rPr lang="en-GB" smtClean="0"/>
-              <a:t>08/12/2018</a:t>
+              <a:t>28/07/2019</a:t>
             </a:fld>
             <a:endParaRPr lang="en-GB" dirty="0"/>
           </a:p>
@@ -1375,7 +1423,7 @@
           <a:p>
             <a:fld id="{D2BDCC73-4DDF-49AB-AEE1-BCC66D6EB140}" type="datetimeFigureOut">
               <a:rPr lang="en-GB" smtClean="0"/>
-              <a:t>08/12/2018</a:t>
+              <a:t>28/07/2019</a:t>
             </a:fld>
             <a:endParaRPr lang="en-GB" dirty="0"/>
           </a:p>
@@ -1744,7 +1792,7 @@
           <a:p>
             <a:fld id="{D2BDCC73-4DDF-49AB-AEE1-BCC66D6EB140}" type="datetimeFigureOut">
               <a:rPr lang="en-GB" smtClean="0"/>
-              <a:t>08/12/2018</a:t>
+              <a:t>28/07/2019</a:t>
             </a:fld>
             <a:endParaRPr lang="en-GB" dirty="0"/>
           </a:p>
@@ -1862,7 +1910,7 @@
           <a:p>
             <a:fld id="{D2BDCC73-4DDF-49AB-AEE1-BCC66D6EB140}" type="datetimeFigureOut">
               <a:rPr lang="en-GB" smtClean="0"/>
-              <a:t>08/12/2018</a:t>
+              <a:t>28/07/2019</a:t>
             </a:fld>
             <a:endParaRPr lang="en-GB" dirty="0"/>
           </a:p>
@@ -1957,7 +2005,7 @@
           <a:p>
             <a:fld id="{D2BDCC73-4DDF-49AB-AEE1-BCC66D6EB140}" type="datetimeFigureOut">
               <a:rPr lang="en-GB" smtClean="0"/>
-              <a:t>08/12/2018</a:t>
+              <a:t>28/07/2019</a:t>
             </a:fld>
             <a:endParaRPr lang="en-GB" dirty="0"/>
           </a:p>
@@ -2238,7 +2286,7 @@
           <a:p>
             <a:fld id="{D2BDCC73-4DDF-49AB-AEE1-BCC66D6EB140}" type="datetimeFigureOut">
               <a:rPr lang="en-GB" smtClean="0"/>
-              <a:t>08/12/2018</a:t>
+              <a:t>28/07/2019</a:t>
             </a:fld>
             <a:endParaRPr lang="en-GB" dirty="0"/>
           </a:p>
@@ -2493,7 +2541,7 @@
           <a:p>
             <a:fld id="{D2BDCC73-4DDF-49AB-AEE1-BCC66D6EB140}" type="datetimeFigureOut">
               <a:rPr lang="en-GB" smtClean="0"/>
-              <a:t>08/12/2018</a:t>
+              <a:t>28/07/2019</a:t>
             </a:fld>
             <a:endParaRPr lang="en-GB" dirty="0"/>
           </a:p>
@@ -2752,7 +2800,7 @@
           <a:p>
             <a:fld id="{D2BDCC73-4DDF-49AB-AEE1-BCC66D6EB140}" type="datetimeFigureOut">
               <a:rPr lang="en-GB" smtClean="0"/>
-              <a:t>08/12/2018</a:t>
+              <a:t>28/07/2019</a:t>
             </a:fld>
             <a:endParaRPr lang="en-GB" dirty="0"/>
           </a:p>
@@ -3703,7 +3751,7 @@
             <a:r>
               <a:rPr lang="en-US" kern="1200" dirty="0">
                 <a:solidFill>
-                  <a:srgbClr val="CACF0B"/>
+                  <a:schemeClr val="accent2"/>
                 </a:solidFill>
                 <a:latin typeface="+mn-lt"/>
                 <a:ea typeface="+mn-ea"/>
@@ -4310,16 +4358,12 @@
           <a:lstStyle/>
           <a:p>
             <a:r>
-              <a:rPr lang="en-US" sz="4400" kern="1200" dirty="0"/>
-              <a:t>Step 2 </a:t>
-            </a:r>
-            <a:r>
               <a:rPr lang="en-US" sz="4400" kern="1200" dirty="0">
                 <a:solidFill>
-                  <a:schemeClr val="tx1"/>
+                  <a:schemeClr val="accent2"/>
                 </a:solidFill>
               </a:rPr>
-              <a:t> </a:t>
+              <a:t>Step 2  </a:t>
             </a:r>
             <a:r>
               <a:rPr lang="en-GB" sz="4400" dirty="0">
@@ -4398,16 +4442,11 @@
             <a:r>
               <a:rPr lang="en-GB" dirty="0">
                 <a:solidFill>
-                  <a:srgbClr val="CACF0B"/>
+                  <a:schemeClr val="accent2"/>
                 </a:solidFill>
               </a:rPr>
               <a:t>Keep in touch</a:t>
             </a:r>
-            <a:endParaRPr lang="en-GB" dirty="0">
-              <a:solidFill>
-                <a:schemeClr val="bg1"/>
-              </a:solidFill>
-            </a:endParaRPr>
           </a:p>
           <a:p>
             <a:pPr lvl="1">
@@ -4416,7 +4455,7 @@
             <a:r>
               <a:rPr lang="en-GB" dirty="0">
                 <a:solidFill>
-                  <a:srgbClr val="CACF0B"/>
+                  <a:schemeClr val="accent2"/>
                 </a:solidFill>
               </a:rPr>
               <a:t>Online photo album</a:t>
@@ -4429,18 +4468,10 @@
             <a:r>
               <a:rPr lang="en-GB" dirty="0">
                 <a:solidFill>
-                  <a:srgbClr val="CACF0B"/>
+                  <a:schemeClr val="accent2"/>
                 </a:solidFill>
               </a:rPr>
-              <a:t>Promotion</a:t>
-            </a:r>
-            <a:r>
-              <a:rPr lang="en-GB" dirty="0">
-                <a:solidFill>
-                  <a:schemeClr val="bg1"/>
-                </a:solidFill>
-              </a:rPr>
-              <a:t> </a:t>
+              <a:t>Promotion </a:t>
             </a:r>
           </a:p>
           <a:p>
@@ -4450,16 +4481,11 @@
             <a:r>
               <a:rPr lang="en-GB" dirty="0">
                 <a:solidFill>
-                  <a:srgbClr val="CACF0B"/>
+                  <a:schemeClr val="accent2"/>
                 </a:solidFill>
               </a:rPr>
               <a:t>Viral messages</a:t>
             </a:r>
-            <a:endParaRPr lang="en-GB" dirty="0">
-              <a:solidFill>
-                <a:schemeClr val="bg1"/>
-              </a:solidFill>
-            </a:endParaRPr>
           </a:p>
           <a:p>
             <a:pPr>
@@ -5472,16 +5498,12 @@
           <a:lstStyle/>
           <a:p>
             <a:r>
-              <a:rPr lang="en-US" sz="4400" kern="1200" dirty="0"/>
-              <a:t>Step 2 </a:t>
-            </a:r>
-            <a:r>
               <a:rPr lang="en-US" sz="4400" kern="1200" dirty="0">
                 <a:solidFill>
-                  <a:schemeClr val="tx1"/>
+                  <a:schemeClr val="accent2"/>
                 </a:solidFill>
               </a:rPr>
-              <a:t> </a:t>
+              <a:t>Step 2  </a:t>
             </a:r>
             <a:r>
               <a:rPr lang="en-GB" sz="4400" dirty="0">
@@ -5550,7 +5572,15 @@
                   <a:srgbClr val="CACF0B"/>
                 </a:solidFill>
               </a:rPr>
-              <a:t> Accessible </a:t>
+              <a:t> </a:t>
+            </a:r>
+            <a:r>
+              <a:rPr lang="en-GB" dirty="0">
+                <a:solidFill>
+                  <a:schemeClr val="accent2"/>
+                </a:solidFill>
+              </a:rPr>
+              <a:t>Accessible </a:t>
             </a:r>
           </a:p>
           <a:p>
@@ -5560,7 +5590,7 @@
             <a:r>
               <a:rPr lang="en-GB" dirty="0">
                 <a:solidFill>
-                  <a:srgbClr val="CACF0B"/>
+                  <a:schemeClr val="accent2"/>
                 </a:solidFill>
               </a:rPr>
               <a:t> Easy to navigate</a:t>
@@ -5573,7 +5603,7 @@
             <a:r>
               <a:rPr lang="en-GB" dirty="0">
                 <a:solidFill>
-                  <a:srgbClr val="CACF0B"/>
+                  <a:schemeClr val="accent2"/>
                 </a:solidFill>
               </a:rPr>
               <a:t> Security and Privacy </a:t>
@@ -5586,7 +5616,7 @@
             <a:r>
               <a:rPr lang="en-GB" dirty="0">
                 <a:solidFill>
-                  <a:srgbClr val="CACF0B"/>
+                  <a:schemeClr val="accent2"/>
                 </a:solidFill>
               </a:rPr>
               <a:t> Notifications</a:t>
@@ -5599,7 +5629,7 @@
             <a:r>
               <a:rPr lang="en-GB" dirty="0">
                 <a:solidFill>
-                  <a:srgbClr val="CACF0B"/>
+                  <a:schemeClr val="accent2"/>
                 </a:solidFill>
               </a:rPr>
               <a:t> Etc.</a:t>
@@ -6452,14 +6482,13 @@
             <a:ext cx="3698803" cy="1366528"/>
           </a:xfrm>
           <a:solidFill>
-            <a:schemeClr val="bg1">
-              <a:alpha val="50000"/>
+            <a:schemeClr val="tx1">
+              <a:lumMod val="95000"/>
+              <a:lumOff val="5000"/>
             </a:schemeClr>
           </a:solidFill>
           <a:ln w="25400" cap="sq">
-            <a:solidFill>
-              <a:schemeClr val="tx1"/>
-            </a:solidFill>
+            <a:noFill/>
             <a:miter lim="800000"/>
           </a:ln>
         </p:spPr>
@@ -6471,18 +6500,10 @@
           <a:p>
             <a:pPr algn="ctr"/>
             <a:r>
-              <a:rPr lang="en-GB" sz="1800" dirty="0">
-                <a:solidFill>
-                  <a:schemeClr val="tx1"/>
-                </a:solidFill>
-              </a:rPr>
+              <a:rPr lang="en-GB" sz="1800" dirty="0"/>
               <a:t>CHALLENGE TIME!</a:t>
             </a:r>
-            <a:endParaRPr lang="en-GB" dirty="0">
-              <a:solidFill>
-                <a:schemeClr val="tx1"/>
-              </a:solidFill>
-            </a:endParaRPr>
+            <a:endParaRPr lang="en-GB" dirty="0"/>
           </a:p>
         </p:txBody>
       </p:sp>
@@ -7240,16 +7261,12 @@
           <a:lstStyle/>
           <a:p>
             <a:r>
-              <a:rPr lang="en-US" sz="4400" kern="1200" dirty="0"/>
-              <a:t>Step 2 </a:t>
-            </a:r>
-            <a:r>
               <a:rPr lang="en-US" sz="4400" kern="1200" dirty="0">
                 <a:solidFill>
-                  <a:schemeClr val="tx1"/>
+                  <a:schemeClr val="accent2"/>
                 </a:solidFill>
               </a:rPr>
-              <a:t> </a:t>
+              <a:t>Step 2  </a:t>
             </a:r>
             <a:r>
               <a:rPr lang="en-GB" sz="4400" dirty="0">
@@ -7315,16 +7332,11 @@
             <a:r>
               <a:rPr lang="en-GB" dirty="0">
                 <a:solidFill>
-                  <a:srgbClr val="CACF0B"/>
+                  <a:schemeClr val="accent2"/>
                 </a:solidFill>
               </a:rPr>
               <a:t>Drivers</a:t>
             </a:r>
-            <a:endParaRPr lang="en-GB" dirty="0">
-              <a:solidFill>
-                <a:schemeClr val="bg1"/>
-              </a:solidFill>
-            </a:endParaRPr>
           </a:p>
           <a:p>
             <a:pPr lvl="1">
@@ -7333,16 +7345,11 @@
             <a:r>
               <a:rPr lang="en-GB" dirty="0">
                 <a:solidFill>
-                  <a:srgbClr val="CACF0B"/>
+                  <a:schemeClr val="accent2"/>
                 </a:solidFill>
               </a:rPr>
               <a:t>Customers</a:t>
             </a:r>
-            <a:endParaRPr lang="en-GB" dirty="0">
-              <a:solidFill>
-                <a:schemeClr val="bg1"/>
-              </a:solidFill>
-            </a:endParaRPr>
           </a:p>
           <a:p>
             <a:pPr>
@@ -7364,16 +7371,11 @@
             <a:r>
               <a:rPr lang="en-GB" dirty="0">
                 <a:solidFill>
-                  <a:srgbClr val="CACF0B"/>
+                  <a:schemeClr val="accent2"/>
                 </a:solidFill>
               </a:rPr>
               <a:t>Easy-to-use</a:t>
             </a:r>
-            <a:endParaRPr lang="en-GB" dirty="0">
-              <a:solidFill>
-                <a:schemeClr val="bg1"/>
-              </a:solidFill>
-            </a:endParaRPr>
           </a:p>
           <a:p>
             <a:pPr lvl="1">
@@ -7382,16 +7384,11 @@
             <a:r>
               <a:rPr lang="en-GB" dirty="0">
                 <a:solidFill>
-                  <a:srgbClr val="CACF0B"/>
+                  <a:schemeClr val="accent2"/>
                 </a:solidFill>
               </a:rPr>
               <a:t>Secure</a:t>
             </a:r>
-            <a:endParaRPr lang="en-GB" dirty="0">
-              <a:solidFill>
-                <a:schemeClr val="bg1"/>
-              </a:solidFill>
-            </a:endParaRPr>
           </a:p>
           <a:p>
             <a:pPr lvl="1">
@@ -7400,18 +7397,10 @@
             <a:r>
               <a:rPr lang="en-GB" dirty="0">
                 <a:solidFill>
-                  <a:srgbClr val="CACF0B"/>
+                  <a:schemeClr val="accent2"/>
                 </a:solidFill>
               </a:rPr>
-              <a:t>Accessible</a:t>
-            </a:r>
-            <a:r>
-              <a:rPr lang="en-GB" dirty="0">
-                <a:solidFill>
-                  <a:schemeClr val="bg1"/>
-                </a:solidFill>
-              </a:rPr>
-              <a:t> </a:t>
+              <a:t>Accessible </a:t>
             </a:r>
           </a:p>
           <a:p>
@@ -7444,7 +7433,7 @@
             <a:r>
               <a:rPr lang="en-GB" dirty="0">
                 <a:solidFill>
-                  <a:srgbClr val="CACF0B"/>
+                  <a:schemeClr val="accent2"/>
                 </a:solidFill>
               </a:rPr>
               <a:t>requirements</a:t>
@@ -8155,7 +8144,7 @@
 <file path=ppt/theme/theme1.xml><?xml version="1.0" encoding="utf-8"?>
 <a:theme xmlns:a="http://schemas.openxmlformats.org/drawingml/2006/main" name="Office Theme">
   <a:themeElements>
-    <a:clrScheme name="Office">
+    <a:clrScheme name="Red Orange">
       <a:dk1>
         <a:sysClr val="windowText" lastClr="000000"/>
       </a:dk1>
@@ -8163,34 +8152,34 @@
         <a:sysClr val="window" lastClr="FFFFFF"/>
       </a:lt1>
       <a:dk2>
-        <a:srgbClr val="44546A"/>
+        <a:srgbClr val="505046"/>
       </a:dk2>
       <a:lt2>
-        <a:srgbClr val="E7E6E6"/>
+        <a:srgbClr val="EEECE1"/>
       </a:lt2>
       <a:accent1>
-        <a:srgbClr val="5B9BD5"/>
+        <a:srgbClr val="E84C22"/>
       </a:accent1>
       <a:accent2>
-        <a:srgbClr val="ED7D31"/>
+        <a:srgbClr val="FFBD47"/>
       </a:accent2>
       <a:accent3>
-        <a:srgbClr val="A5A5A5"/>
+        <a:srgbClr val="B64926"/>
       </a:accent3>
       <a:accent4>
-        <a:srgbClr val="FFC000"/>
+        <a:srgbClr val="FF8427"/>
       </a:accent4>
       <a:accent5>
-        <a:srgbClr val="4472C4"/>
+        <a:srgbClr val="CC9900"/>
       </a:accent5>
       <a:accent6>
-        <a:srgbClr val="70AD47"/>
+        <a:srgbClr val="B22600"/>
       </a:accent6>
       <a:hlink>
-        <a:srgbClr val="0563C1"/>
+        <a:srgbClr val="CC9900"/>
       </a:hlink>
       <a:folHlink>
-        <a:srgbClr val="954F72"/>
+        <a:srgbClr val="666699"/>
       </a:folHlink>
     </a:clrScheme>
     <a:fontScheme name="Office">
